--- a/TeenDriver screenshots.pptx
+++ b/TeenDriver screenshots.pptx
@@ -6,6 +6,7 @@
   </p:sldMasterIdLst>
   <p:sldIdLst>
     <p:sldId id="257" r:id="rId2"/>
+    <p:sldId id="258" r:id="rId3"/>
   </p:sldIdLst>
   <p:sldSz cx="9144000" cy="6858000" type="screen4x3"/>
   <p:notesSz cx="6858000" cy="9144000"/>
@@ -104,6 +105,11 @@
       </a:defRPr>
     </a:lvl9pPr>
   </p:defaultTextStyle>
+  <p:extLst>
+    <p:ext uri="{EFAFB233-063F-42B5-8137-9DF3F51BA10A}">
+      <p15:sldGuideLst xmlns:p15="http://schemas.microsoft.com/office/powerpoint/2012/main"/>
+    </p:ext>
+  </p:extLst>
 </p:presentation>
 </file>
 
@@ -238,7 +244,7 @@
           <a:p>
             <a:fld id="{694F8A66-C52C-8D41-9F41-67E42EE176D9}" type="datetimeFigureOut">
               <a:rPr lang="en-US" smtClean="0"/>
-              <a:t>11/4/18</a:t>
+              <a:t>11/5/18</a:t>
             </a:fld>
             <a:endParaRPr lang="en-US"/>
           </a:p>
@@ -408,7 +414,7 @@
           <a:p>
             <a:fld id="{694F8A66-C52C-8D41-9F41-67E42EE176D9}" type="datetimeFigureOut">
               <a:rPr lang="en-US" smtClean="0"/>
-              <a:t>11/4/18</a:t>
+              <a:t>11/5/18</a:t>
             </a:fld>
             <a:endParaRPr lang="en-US"/>
           </a:p>
@@ -588,7 +594,7 @@
           <a:p>
             <a:fld id="{694F8A66-C52C-8D41-9F41-67E42EE176D9}" type="datetimeFigureOut">
               <a:rPr lang="en-US" smtClean="0"/>
-              <a:t>11/4/18</a:t>
+              <a:t>11/5/18</a:t>
             </a:fld>
             <a:endParaRPr lang="en-US"/>
           </a:p>
@@ -758,7 +764,7 @@
           <a:p>
             <a:fld id="{694F8A66-C52C-8D41-9F41-67E42EE176D9}" type="datetimeFigureOut">
               <a:rPr lang="en-US" smtClean="0"/>
-              <a:t>11/4/18</a:t>
+              <a:t>11/5/18</a:t>
             </a:fld>
             <a:endParaRPr lang="en-US"/>
           </a:p>
@@ -1002,7 +1008,7 @@
           <a:p>
             <a:fld id="{694F8A66-C52C-8D41-9F41-67E42EE176D9}" type="datetimeFigureOut">
               <a:rPr lang="en-US" smtClean="0"/>
-              <a:t>11/4/18</a:t>
+              <a:t>11/5/18</a:t>
             </a:fld>
             <a:endParaRPr lang="en-US"/>
           </a:p>
@@ -1234,7 +1240,7 @@
           <a:p>
             <a:fld id="{694F8A66-C52C-8D41-9F41-67E42EE176D9}" type="datetimeFigureOut">
               <a:rPr lang="en-US" smtClean="0"/>
-              <a:t>11/4/18</a:t>
+              <a:t>11/5/18</a:t>
             </a:fld>
             <a:endParaRPr lang="en-US"/>
           </a:p>
@@ -1601,7 +1607,7 @@
           <a:p>
             <a:fld id="{694F8A66-C52C-8D41-9F41-67E42EE176D9}" type="datetimeFigureOut">
               <a:rPr lang="en-US" smtClean="0"/>
-              <a:t>11/4/18</a:t>
+              <a:t>11/5/18</a:t>
             </a:fld>
             <a:endParaRPr lang="en-US"/>
           </a:p>
@@ -1719,7 +1725,7 @@
           <a:p>
             <a:fld id="{694F8A66-C52C-8D41-9F41-67E42EE176D9}" type="datetimeFigureOut">
               <a:rPr lang="en-US" smtClean="0"/>
-              <a:t>11/4/18</a:t>
+              <a:t>11/5/18</a:t>
             </a:fld>
             <a:endParaRPr lang="en-US"/>
           </a:p>
@@ -1814,7 +1820,7 @@
           <a:p>
             <a:fld id="{694F8A66-C52C-8D41-9F41-67E42EE176D9}" type="datetimeFigureOut">
               <a:rPr lang="en-US" smtClean="0"/>
-              <a:t>11/4/18</a:t>
+              <a:t>11/5/18</a:t>
             </a:fld>
             <a:endParaRPr lang="en-US"/>
           </a:p>
@@ -2091,7 +2097,7 @@
           <a:p>
             <a:fld id="{694F8A66-C52C-8D41-9F41-67E42EE176D9}" type="datetimeFigureOut">
               <a:rPr lang="en-US" smtClean="0"/>
-              <a:t>11/4/18</a:t>
+              <a:t>11/5/18</a:t>
             </a:fld>
             <a:endParaRPr lang="en-US"/>
           </a:p>
@@ -2348,7 +2354,7 @@
           <a:p>
             <a:fld id="{694F8A66-C52C-8D41-9F41-67E42EE176D9}" type="datetimeFigureOut">
               <a:rPr lang="en-US" smtClean="0"/>
-              <a:t>11/4/18</a:t>
+              <a:t>11/5/18</a:t>
             </a:fld>
             <a:endParaRPr lang="en-US"/>
           </a:p>
@@ -2561,7 +2567,7 @@
           <a:p>
             <a:fld id="{694F8A66-C52C-8D41-9F41-67E42EE176D9}" type="datetimeFigureOut">
               <a:rPr lang="en-US" smtClean="0"/>
-              <a:t>11/4/18</a:t>
+              <a:t>11/5/18</a:t>
             </a:fld>
             <a:endParaRPr lang="en-US"/>
           </a:p>
@@ -3220,6 +3226,482 @@
 </p:sld>
 </file>
 
+<file path=ppt/slides/slide2.xml><?xml version="1.0" encoding="utf-8"?>
+<p:sld xmlns:a="http://schemas.openxmlformats.org/drawingml/2006/main" xmlns:r="http://schemas.openxmlformats.org/officeDocument/2006/relationships" xmlns:p="http://schemas.openxmlformats.org/presentationml/2006/main">
+  <p:cSld>
+    <p:spTree>
+      <p:nvGrpSpPr>
+        <p:cNvPr id="1" name=""/>
+        <p:cNvGrpSpPr/>
+        <p:nvPr/>
+      </p:nvGrpSpPr>
+      <p:grpSpPr>
+        <a:xfrm>
+          <a:off x="0" y="0"/>
+          <a:ext cx="0" cy="0"/>
+          <a:chOff x="0" y="0"/>
+          <a:chExt cx="0" cy="0"/>
+        </a:xfrm>
+      </p:grpSpPr>
+      <p:pic>
+        <p:nvPicPr>
+          <p:cNvPr id="3" name="Picture 2">
+            <a:extLst>
+              <a:ext uri="{FF2B5EF4-FFF2-40B4-BE49-F238E27FC236}">
+                <a16:creationId xmlns:a16="http://schemas.microsoft.com/office/drawing/2014/main" id="{D1D3AD9D-B183-2146-B8CA-BD84251CF354}"/>
+              </a:ext>
+            </a:extLst>
+          </p:cNvPr>
+          <p:cNvPicPr>
+            <a:picLocks noChangeAspect="1"/>
+          </p:cNvPicPr>
+          <p:nvPr/>
+        </p:nvPicPr>
+        <p:blipFill>
+          <a:blip r:embed="rId2"/>
+          <a:stretch>
+            <a:fillRect/>
+          </a:stretch>
+        </p:blipFill>
+        <p:spPr>
+          <a:xfrm>
+            <a:off x="93133" y="643467"/>
+            <a:ext cx="5906881" cy="3559194"/>
+          </a:xfrm>
+          <a:prstGeom prst="rect">
+            <a:avLst/>
+          </a:prstGeom>
+        </p:spPr>
+      </p:pic>
+      <p:sp>
+        <p:nvSpPr>
+          <p:cNvPr id="4" name="Rectangle 3">
+            <a:extLst>
+              <a:ext uri="{FF2B5EF4-FFF2-40B4-BE49-F238E27FC236}">
+                <a16:creationId xmlns:a16="http://schemas.microsoft.com/office/drawing/2014/main" id="{FDEAF44A-4505-DD42-8554-612698DB741D}"/>
+              </a:ext>
+            </a:extLst>
+          </p:cNvPr>
+          <p:cNvSpPr/>
+          <p:nvPr/>
+        </p:nvSpPr>
+        <p:spPr>
+          <a:xfrm>
+            <a:off x="4724398" y="2345267"/>
+            <a:ext cx="1233281" cy="1016000"/>
+          </a:xfrm>
+          <a:prstGeom prst="rect">
+            <a:avLst/>
+          </a:prstGeom>
+          <a:noFill/>
+          <a:ln w="19050">
+            <a:solidFill>
+              <a:schemeClr val="bg1"/>
+            </a:solidFill>
+          </a:ln>
+        </p:spPr>
+        <p:style>
+          <a:lnRef idx="2">
+            <a:schemeClr val="accent1">
+              <a:shade val="50000"/>
+            </a:schemeClr>
+          </a:lnRef>
+          <a:fillRef idx="1">
+            <a:schemeClr val="accent1"/>
+          </a:fillRef>
+          <a:effectRef idx="0">
+            <a:schemeClr val="accent1"/>
+          </a:effectRef>
+          <a:fontRef idx="minor">
+            <a:schemeClr val="lt1"/>
+          </a:fontRef>
+        </p:style>
+        <p:txBody>
+          <a:bodyPr rtlCol="0" anchor="ctr"/>
+          <a:lstStyle/>
+          <a:p>
+            <a:pPr algn="ctr"/>
+            <a:endParaRPr lang="en-US"/>
+          </a:p>
+        </p:txBody>
+      </p:sp>
+      <p:sp>
+        <p:nvSpPr>
+          <p:cNvPr id="5" name="Rectangle 4">
+            <a:extLst>
+              <a:ext uri="{FF2B5EF4-FFF2-40B4-BE49-F238E27FC236}">
+                <a16:creationId xmlns:a16="http://schemas.microsoft.com/office/drawing/2014/main" id="{21C875C4-1D8C-3A4F-A893-CC05D7F87BDF}"/>
+              </a:ext>
+            </a:extLst>
+          </p:cNvPr>
+          <p:cNvSpPr/>
+          <p:nvPr/>
+        </p:nvSpPr>
+        <p:spPr>
+          <a:xfrm>
+            <a:off x="2556933" y="2423064"/>
+            <a:ext cx="372535" cy="337069"/>
+          </a:xfrm>
+          <a:prstGeom prst="rect">
+            <a:avLst/>
+          </a:prstGeom>
+          <a:noFill/>
+          <a:ln w="19050">
+            <a:solidFill>
+              <a:schemeClr val="bg1"/>
+            </a:solidFill>
+          </a:ln>
+        </p:spPr>
+        <p:style>
+          <a:lnRef idx="2">
+            <a:schemeClr val="accent1">
+              <a:shade val="50000"/>
+            </a:schemeClr>
+          </a:lnRef>
+          <a:fillRef idx="1">
+            <a:schemeClr val="accent1"/>
+          </a:fillRef>
+          <a:effectRef idx="0">
+            <a:schemeClr val="accent1"/>
+          </a:effectRef>
+          <a:fontRef idx="minor">
+            <a:schemeClr val="lt1"/>
+          </a:fontRef>
+        </p:style>
+        <p:txBody>
+          <a:bodyPr rtlCol="0" anchor="ctr"/>
+          <a:lstStyle/>
+          <a:p>
+            <a:pPr algn="ctr"/>
+            <a:endParaRPr lang="en-US"/>
+          </a:p>
+        </p:txBody>
+      </p:sp>
+      <p:sp>
+        <p:nvSpPr>
+          <p:cNvPr id="6" name="Rectangle 5">
+            <a:extLst>
+              <a:ext uri="{FF2B5EF4-FFF2-40B4-BE49-F238E27FC236}">
+                <a16:creationId xmlns:a16="http://schemas.microsoft.com/office/drawing/2014/main" id="{6B36A03B-4662-024A-A8B3-FF4D9FA9BDEF}"/>
+              </a:ext>
+            </a:extLst>
+          </p:cNvPr>
+          <p:cNvSpPr/>
+          <p:nvPr/>
+        </p:nvSpPr>
+        <p:spPr>
+          <a:xfrm>
+            <a:off x="296332" y="2591598"/>
+            <a:ext cx="939801" cy="507202"/>
+          </a:xfrm>
+          <a:prstGeom prst="rect">
+            <a:avLst/>
+          </a:prstGeom>
+          <a:noFill/>
+          <a:ln w="19050">
+            <a:solidFill>
+              <a:schemeClr val="bg1"/>
+            </a:solidFill>
+          </a:ln>
+        </p:spPr>
+        <p:style>
+          <a:lnRef idx="2">
+            <a:schemeClr val="accent1">
+              <a:shade val="50000"/>
+            </a:schemeClr>
+          </a:lnRef>
+          <a:fillRef idx="1">
+            <a:schemeClr val="accent1"/>
+          </a:fillRef>
+          <a:effectRef idx="0">
+            <a:schemeClr val="accent1"/>
+          </a:effectRef>
+          <a:fontRef idx="minor">
+            <a:schemeClr val="lt1"/>
+          </a:fontRef>
+        </p:style>
+        <p:txBody>
+          <a:bodyPr rtlCol="0" anchor="ctr"/>
+          <a:lstStyle/>
+          <a:p>
+            <a:pPr algn="ctr"/>
+            <a:endParaRPr lang="en-US"/>
+          </a:p>
+        </p:txBody>
+      </p:sp>
+      <p:sp>
+        <p:nvSpPr>
+          <p:cNvPr id="7" name="Rectangle 6">
+            <a:extLst>
+              <a:ext uri="{FF2B5EF4-FFF2-40B4-BE49-F238E27FC236}">
+                <a16:creationId xmlns:a16="http://schemas.microsoft.com/office/drawing/2014/main" id="{9E8E72A8-2480-724E-8BB2-AC87018A7395}"/>
+              </a:ext>
+            </a:extLst>
+          </p:cNvPr>
+          <p:cNvSpPr/>
+          <p:nvPr/>
+        </p:nvSpPr>
+        <p:spPr>
+          <a:xfrm>
+            <a:off x="618064" y="2413798"/>
+            <a:ext cx="732370" cy="177800"/>
+          </a:xfrm>
+          <a:prstGeom prst="rect">
+            <a:avLst/>
+          </a:prstGeom>
+          <a:noFill/>
+          <a:ln w="19050">
+            <a:solidFill>
+              <a:schemeClr val="bg1"/>
+            </a:solidFill>
+          </a:ln>
+        </p:spPr>
+        <p:style>
+          <a:lnRef idx="2">
+            <a:schemeClr val="accent1">
+              <a:shade val="50000"/>
+            </a:schemeClr>
+          </a:lnRef>
+          <a:fillRef idx="1">
+            <a:schemeClr val="accent1"/>
+          </a:fillRef>
+          <a:effectRef idx="0">
+            <a:schemeClr val="accent1"/>
+          </a:effectRef>
+          <a:fontRef idx="minor">
+            <a:schemeClr val="lt1"/>
+          </a:fontRef>
+        </p:style>
+        <p:txBody>
+          <a:bodyPr rtlCol="0" anchor="ctr"/>
+          <a:lstStyle/>
+          <a:p>
+            <a:pPr algn="ctr"/>
+            <a:endParaRPr lang="en-US"/>
+          </a:p>
+        </p:txBody>
+      </p:sp>
+      <p:sp>
+        <p:nvSpPr>
+          <p:cNvPr id="8" name="Rectangle 7">
+            <a:extLst>
+              <a:ext uri="{FF2B5EF4-FFF2-40B4-BE49-F238E27FC236}">
+                <a16:creationId xmlns:a16="http://schemas.microsoft.com/office/drawing/2014/main" id="{D84449DD-BDDF-104B-9C15-174E1FFB3F70}"/>
+              </a:ext>
+            </a:extLst>
+          </p:cNvPr>
+          <p:cNvSpPr/>
+          <p:nvPr/>
+        </p:nvSpPr>
+        <p:spPr>
+          <a:xfrm>
+            <a:off x="2205562" y="2436562"/>
+            <a:ext cx="135469" cy="262466"/>
+          </a:xfrm>
+          <a:prstGeom prst="rect">
+            <a:avLst/>
+          </a:prstGeom>
+          <a:noFill/>
+          <a:ln w="19050">
+            <a:solidFill>
+              <a:schemeClr val="bg1"/>
+            </a:solidFill>
+          </a:ln>
+        </p:spPr>
+        <p:style>
+          <a:lnRef idx="2">
+            <a:schemeClr val="accent1">
+              <a:shade val="50000"/>
+            </a:schemeClr>
+          </a:lnRef>
+          <a:fillRef idx="1">
+            <a:schemeClr val="accent1"/>
+          </a:fillRef>
+          <a:effectRef idx="0">
+            <a:schemeClr val="accent1"/>
+          </a:effectRef>
+          <a:fontRef idx="minor">
+            <a:schemeClr val="lt1"/>
+          </a:fontRef>
+        </p:style>
+        <p:txBody>
+          <a:bodyPr rtlCol="0" anchor="ctr"/>
+          <a:lstStyle/>
+          <a:p>
+            <a:pPr algn="ctr"/>
+            <a:endParaRPr lang="en-US"/>
+          </a:p>
+        </p:txBody>
+      </p:sp>
+      <p:sp>
+        <p:nvSpPr>
+          <p:cNvPr id="9" name="Rectangle 8">
+            <a:extLst>
+              <a:ext uri="{FF2B5EF4-FFF2-40B4-BE49-F238E27FC236}">
+                <a16:creationId xmlns:a16="http://schemas.microsoft.com/office/drawing/2014/main" id="{9FA3FFBC-6CD3-314F-9796-A3753FFC3ED7}"/>
+              </a:ext>
+            </a:extLst>
+          </p:cNvPr>
+          <p:cNvSpPr/>
+          <p:nvPr/>
+        </p:nvSpPr>
+        <p:spPr>
+          <a:xfrm>
+            <a:off x="3865028" y="2453496"/>
+            <a:ext cx="338669" cy="262466"/>
+          </a:xfrm>
+          <a:prstGeom prst="rect">
+            <a:avLst/>
+          </a:prstGeom>
+          <a:noFill/>
+          <a:ln w="19050">
+            <a:solidFill>
+              <a:schemeClr val="bg1"/>
+            </a:solidFill>
+          </a:ln>
+        </p:spPr>
+        <p:style>
+          <a:lnRef idx="2">
+            <a:schemeClr val="accent1">
+              <a:shade val="50000"/>
+            </a:schemeClr>
+          </a:lnRef>
+          <a:fillRef idx="1">
+            <a:schemeClr val="accent1"/>
+          </a:fillRef>
+          <a:effectRef idx="0">
+            <a:schemeClr val="accent1"/>
+          </a:effectRef>
+          <a:fontRef idx="minor">
+            <a:schemeClr val="lt1"/>
+          </a:fontRef>
+        </p:style>
+        <p:txBody>
+          <a:bodyPr rtlCol="0" anchor="ctr"/>
+          <a:lstStyle/>
+          <a:p>
+            <a:pPr algn="ctr"/>
+            <a:endParaRPr lang="en-US"/>
+          </a:p>
+        </p:txBody>
+      </p:sp>
+      <p:sp>
+        <p:nvSpPr>
+          <p:cNvPr id="10" name="Rectangle 9">
+            <a:extLst>
+              <a:ext uri="{FF2B5EF4-FFF2-40B4-BE49-F238E27FC236}">
+                <a16:creationId xmlns:a16="http://schemas.microsoft.com/office/drawing/2014/main" id="{40F7A66F-1663-5344-BAB2-52D2BD49CA6D}"/>
+              </a:ext>
+            </a:extLst>
+          </p:cNvPr>
+          <p:cNvSpPr/>
+          <p:nvPr/>
+        </p:nvSpPr>
+        <p:spPr>
+          <a:xfrm>
+            <a:off x="2429933" y="1524000"/>
+            <a:ext cx="1100668" cy="338666"/>
+          </a:xfrm>
+          <a:prstGeom prst="rect">
+            <a:avLst/>
+          </a:prstGeom>
+          <a:noFill/>
+          <a:ln w="19050">
+            <a:solidFill>
+              <a:schemeClr val="bg1"/>
+            </a:solidFill>
+          </a:ln>
+        </p:spPr>
+        <p:style>
+          <a:lnRef idx="2">
+            <a:schemeClr val="accent1">
+              <a:shade val="50000"/>
+            </a:schemeClr>
+          </a:lnRef>
+          <a:fillRef idx="1">
+            <a:schemeClr val="accent1"/>
+          </a:fillRef>
+          <a:effectRef idx="0">
+            <a:schemeClr val="accent1"/>
+          </a:effectRef>
+          <a:fontRef idx="minor">
+            <a:schemeClr val="lt1"/>
+          </a:fontRef>
+        </p:style>
+        <p:txBody>
+          <a:bodyPr rtlCol="0" anchor="ctr"/>
+          <a:lstStyle/>
+          <a:p>
+            <a:pPr algn="ctr"/>
+            <a:endParaRPr lang="en-US"/>
+          </a:p>
+        </p:txBody>
+      </p:sp>
+      <p:sp>
+        <p:nvSpPr>
+          <p:cNvPr id="11" name="Rectangle 10">
+            <a:extLst>
+              <a:ext uri="{FF2B5EF4-FFF2-40B4-BE49-F238E27FC236}">
+                <a16:creationId xmlns:a16="http://schemas.microsoft.com/office/drawing/2014/main" id="{E1E0CEE5-EBDB-9C44-B4E6-3575A41F6B25}"/>
+              </a:ext>
+            </a:extLst>
+          </p:cNvPr>
+          <p:cNvSpPr/>
+          <p:nvPr/>
+        </p:nvSpPr>
+        <p:spPr>
+          <a:xfrm>
+            <a:off x="2120907" y="1513696"/>
+            <a:ext cx="262459" cy="262466"/>
+          </a:xfrm>
+          <a:prstGeom prst="rect">
+            <a:avLst/>
+          </a:prstGeom>
+          <a:noFill/>
+          <a:ln w="19050">
+            <a:solidFill>
+              <a:schemeClr val="bg1"/>
+            </a:solidFill>
+          </a:ln>
+        </p:spPr>
+        <p:style>
+          <a:lnRef idx="2">
+            <a:schemeClr val="accent1">
+              <a:shade val="50000"/>
+            </a:schemeClr>
+          </a:lnRef>
+          <a:fillRef idx="1">
+            <a:schemeClr val="accent1"/>
+          </a:fillRef>
+          <a:effectRef idx="0">
+            <a:schemeClr val="accent1"/>
+          </a:effectRef>
+          <a:fontRef idx="minor">
+            <a:schemeClr val="lt1"/>
+          </a:fontRef>
+        </p:style>
+        <p:txBody>
+          <a:bodyPr rtlCol="0" anchor="ctr"/>
+          <a:lstStyle/>
+          <a:p>
+            <a:pPr algn="ctr"/>
+            <a:endParaRPr lang="en-US"/>
+          </a:p>
+        </p:txBody>
+      </p:sp>
+    </p:spTree>
+    <p:extLst>
+      <p:ext uri="{BB962C8B-B14F-4D97-AF65-F5344CB8AC3E}">
+        <p14:creationId xmlns:p14="http://schemas.microsoft.com/office/powerpoint/2010/main" val="1364486561"/>
+      </p:ext>
+    </p:extLst>
+  </p:cSld>
+  <p:clrMapOvr>
+    <a:masterClrMapping/>
+  </p:clrMapOvr>
+</p:sld>
+</file>
+
 <file path=ppt/theme/theme1.xml><?xml version="1.0" encoding="utf-8"?>
 <a:theme xmlns:a="http://schemas.openxmlformats.org/drawingml/2006/main" name="Normal">
   <a:themeElements>
